--- a/PowerPoint Slides/csc439_sprint2_final.pptx
+++ b/PowerPoint Slides/csc439_sprint2_final.pptx
@@ -316,7 +316,7 @@
             <a:fld id="{87DE6118-2437-4B30-8E3C-4D2BE6020583}" type="datetimeFigureOut">
               <a:rPr lang="en-US" dirty="0"/>
               <a:pPr/>
-              <a:t>9/23/2019</a:t>
+              <a:t>9/23/19</a:t>
             </a:fld>
             <a:endParaRPr lang="en-US" dirty="0"/>
           </a:p>
@@ -642,7 +642,7 @@
           <a:p>
             <a:fld id="{87DE6118-2437-4B30-8E3C-4D2BE6020583}" type="datetimeFigureOut">
               <a:rPr lang="en-US" dirty="0"/>
-              <a:t>9/23/2019</a:t>
+              <a:t>9/23/19</a:t>
             </a:fld>
             <a:endParaRPr lang="en-US" dirty="0"/>
           </a:p>
@@ -817,7 +817,7 @@
           <a:p>
             <a:fld id="{87DE6118-2437-4B30-8E3C-4D2BE6020583}" type="datetimeFigureOut">
               <a:rPr lang="en-US" dirty="0"/>
-              <a:t>9/23/2019</a:t>
+              <a:t>9/23/19</a:t>
             </a:fld>
             <a:endParaRPr lang="en-US" dirty="0"/>
           </a:p>
@@ -982,7 +982,7 @@
           <a:p>
             <a:fld id="{87DE6118-2437-4B30-8E3C-4D2BE6020583}" type="datetimeFigureOut">
               <a:rPr lang="en-US" dirty="0"/>
-              <a:t>9/23/2019</a:t>
+              <a:t>9/23/19</a:t>
             </a:fld>
             <a:endParaRPr lang="en-US" dirty="0"/>
           </a:p>
@@ -1255,7 +1255,7 @@
             <a:fld id="{87DE6118-2437-4B30-8E3C-4D2BE6020583}" type="datetimeFigureOut">
               <a:rPr lang="en-US" dirty="0"/>
               <a:pPr/>
-              <a:t>9/23/2019</a:t>
+              <a:t>9/23/19</a:t>
             </a:fld>
             <a:endParaRPr lang="en-US" dirty="0"/>
           </a:p>
@@ -1645,7 +1645,7 @@
           <a:p>
             <a:fld id="{87DE6118-2437-4B30-8E3C-4D2BE6020583}" type="datetimeFigureOut">
               <a:rPr lang="en-US" dirty="0"/>
-              <a:t>9/23/2019</a:t>
+              <a:t>9/23/19</a:t>
             </a:fld>
             <a:endParaRPr lang="en-US" dirty="0"/>
           </a:p>
@@ -2117,7 +2117,7 @@
           <a:p>
             <a:fld id="{87DE6118-2437-4B30-8E3C-4D2BE6020583}" type="datetimeFigureOut">
               <a:rPr lang="en-US" dirty="0"/>
-              <a:t>9/23/2019</a:t>
+              <a:t>9/23/19</a:t>
             </a:fld>
             <a:endParaRPr lang="en-US" dirty="0"/>
           </a:p>
@@ -2230,7 +2230,7 @@
           <a:p>
             <a:fld id="{87DE6118-2437-4B30-8E3C-4D2BE6020583}" type="datetimeFigureOut">
               <a:rPr lang="en-US" dirty="0"/>
-              <a:t>9/23/2019</a:t>
+              <a:t>9/23/19</a:t>
             </a:fld>
             <a:endParaRPr lang="en-US" dirty="0"/>
           </a:p>
@@ -2320,7 +2320,7 @@
           <a:p>
             <a:fld id="{87DE6118-2437-4B30-8E3C-4D2BE6020583}" type="datetimeFigureOut">
               <a:rPr lang="en-US" dirty="0"/>
-              <a:t>9/23/2019</a:t>
+              <a:t>9/23/19</a:t>
             </a:fld>
             <a:endParaRPr lang="en-US" dirty="0"/>
           </a:p>
@@ -2662,7 +2662,7 @@
             <a:fld id="{87DE6118-2437-4B30-8E3C-4D2BE6020583}" type="datetimeFigureOut">
               <a:rPr lang="en-US" dirty="0"/>
               <a:pPr/>
-              <a:t>9/23/2019</a:t>
+              <a:t>9/23/19</a:t>
             </a:fld>
             <a:endParaRPr lang="en-US" dirty="0"/>
           </a:p>
@@ -3047,7 +3047,7 @@
             <a:fld id="{87DE6118-2437-4B30-8E3C-4D2BE6020583}" type="datetimeFigureOut">
               <a:rPr lang="en-US" dirty="0"/>
               <a:pPr/>
-              <a:t>9/23/2019</a:t>
+              <a:t>9/23/19</a:t>
             </a:fld>
             <a:endParaRPr lang="en-US" dirty="0"/>
           </a:p>
@@ -3322,7 +3322,7 @@
             <a:fld id="{87DE6118-2437-4B30-8E3C-4D2BE6020583}" type="datetimeFigureOut">
               <a:rPr lang="en-US" dirty="0"/>
               <a:pPr/>
-              <a:t>9/23/2019</a:t>
+              <a:t>9/23/19</a:t>
             </a:fld>
             <a:endParaRPr lang="en-US" dirty="0"/>
           </a:p>
@@ -3967,16 +3967,89 @@
             </a:r>
           </a:p>
           <a:p>
+            <a:pPr marL="457200" indent="-457200">
+              <a:buAutoNum type="arabicPeriod"/>
+            </a:pPr>
+            <a:r>
+              <a:rPr lang="en-US" dirty="0"/>
+              <a:t>Made searching case-insensitive</a:t>
+            </a:r>
+          </a:p>
+          <a:p>
+            <a:pPr marL="457200" indent="-457200">
+              <a:buAutoNum type="arabicPeriod"/>
+            </a:pPr>
+            <a:r>
+              <a:rPr lang="en-US" dirty="0"/>
+              <a:t>Added a Combo Box to allow the user to search between the Title, Author, or ISBN.</a:t>
+            </a:r>
+          </a:p>
+          <a:p>
             <a:pPr marL="0" indent="0">
               <a:buNone/>
             </a:pPr>
-            <a:r>
-              <a:rPr lang="en-US" dirty="0"/>
-              <a:t>1. Make the search bar “smarter” and not case-sensitive</a:t>
-            </a:r>
-          </a:p>
-        </p:txBody>
-      </p:sp>
+            <a:endParaRPr lang="en-US" dirty="0"/>
+          </a:p>
+        </p:txBody>
+      </p:sp>
+      <p:pic>
+        <p:nvPicPr>
+          <p:cNvPr id="5" name="Picture 4">
+            <a:extLst>
+              <a:ext uri="{FF2B5EF4-FFF2-40B4-BE49-F238E27FC236}">
+                <a16:creationId xmlns:a16="http://schemas.microsoft.com/office/drawing/2014/main" id="{8044482C-988A-FE46-B4F5-8214216E7226}"/>
+              </a:ext>
+            </a:extLst>
+          </p:cNvPr>
+          <p:cNvPicPr>
+            <a:picLocks noChangeAspect="1"/>
+          </p:cNvPicPr>
+          <p:nvPr/>
+        </p:nvPicPr>
+        <p:blipFill rotWithShape="1">
+          <a:blip r:embed="rId2"/>
+          <a:srcRect r="50809" b="2361"/>
+          <a:stretch/>
+        </p:blipFill>
+        <p:spPr>
+          <a:xfrm>
+            <a:off x="3675450" y="4815461"/>
+            <a:ext cx="4993500" cy="628203"/>
+          </a:xfrm>
+          <a:prstGeom prst="rect">
+            <a:avLst/>
+          </a:prstGeom>
+        </p:spPr>
+      </p:pic>
+      <p:pic>
+        <p:nvPicPr>
+          <p:cNvPr id="7" name="Picture 6">
+            <a:extLst>
+              <a:ext uri="{FF2B5EF4-FFF2-40B4-BE49-F238E27FC236}">
+                <a16:creationId xmlns:a16="http://schemas.microsoft.com/office/drawing/2014/main" id="{A698A8DF-2A74-A04C-82F6-2CCE7869A4DC}"/>
+              </a:ext>
+            </a:extLst>
+          </p:cNvPr>
+          <p:cNvPicPr>
+            <a:picLocks noChangeAspect="1"/>
+          </p:cNvPicPr>
+          <p:nvPr/>
+        </p:nvPicPr>
+        <p:blipFill rotWithShape="1">
+          <a:blip r:embed="rId3"/>
+          <a:srcRect t="1" r="50809" b="-1093"/>
+          <a:stretch/>
+        </p:blipFill>
+        <p:spPr>
+          <a:xfrm>
+            <a:off x="3675450" y="3705421"/>
+            <a:ext cx="4993500" cy="686304"/>
+          </a:xfrm>
+          <a:prstGeom prst="rect">
+            <a:avLst/>
+          </a:prstGeom>
+        </p:spPr>
+      </p:pic>
     </p:spTree>
     <p:extLst>
       <p:ext uri="{BB962C8B-B14F-4D97-AF65-F5344CB8AC3E}">

--- a/PowerPoint Slides/csc439_sprint2_final.pptx
+++ b/PowerPoint Slides/csc439_sprint2_final.pptx
@@ -146,6 +146,35 @@
 </p:presentation>
 </file>
 
+<file path=ppt/changesInfos/changesInfo1.xml><?xml version="1.0" encoding="utf-8"?>
+<pc:chgInfo xmlns:a="http://schemas.openxmlformats.org/drawingml/2006/main" xmlns:r="http://schemas.openxmlformats.org/officeDocument/2006/relationships" xmlns:ac="http://schemas.microsoft.com/office/drawing/2013/main/command" xmlns:pc="http://schemas.microsoft.com/office/powerpoint/2013/main/command">
+  <pc:docChgLst>
+    <pc:chgData name="JJ Craig" userId="403dfa2b560c16b3" providerId="LiveId" clId="{497839B1-9294-4D96-90F2-6439F6E7DC45}"/>
+    <pc:docChg chg="modSld">
+      <pc:chgData name="JJ Craig" userId="403dfa2b560c16b3" providerId="LiveId" clId="{497839B1-9294-4D96-90F2-6439F6E7DC45}" dt="2019-09-23T22:08:11.642" v="6" actId="20577"/>
+      <pc:docMkLst>
+        <pc:docMk/>
+      </pc:docMkLst>
+      <pc:sldChg chg="modSp">
+        <pc:chgData name="JJ Craig" userId="403dfa2b560c16b3" providerId="LiveId" clId="{497839B1-9294-4D96-90F2-6439F6E7DC45}" dt="2019-09-23T22:08:11.642" v="6" actId="20577"/>
+        <pc:sldMkLst>
+          <pc:docMk/>
+          <pc:sldMk cId="390865401" sldId="256"/>
+        </pc:sldMkLst>
+        <pc:spChg chg="mod">
+          <ac:chgData name="JJ Craig" userId="403dfa2b560c16b3" providerId="LiveId" clId="{497839B1-9294-4D96-90F2-6439F6E7DC45}" dt="2019-09-23T22:08:11.642" v="6" actId="20577"/>
+          <ac:spMkLst>
+            <pc:docMk/>
+            <pc:sldMk cId="390865401" sldId="256"/>
+            <ac:spMk id="3" creationId="{00000000-0000-0000-0000-000000000000}"/>
+          </ac:spMkLst>
+        </pc:spChg>
+      </pc:sldChg>
+    </pc:docChg>
+  </pc:docChgLst>
+</pc:chgInfo>
+</file>
+
 <file path=ppt/slideLayouts/slideLayout1.xml><?xml version="1.0" encoding="utf-8"?>
 <p:sldLayout xmlns:a="http://schemas.openxmlformats.org/drawingml/2006/main" xmlns:r="http://schemas.openxmlformats.org/officeDocument/2006/relationships" xmlns:p="http://schemas.openxmlformats.org/presentationml/2006/main" showMasterSp="0" type="title" preserve="1">
   <p:cSld name="Title Slide">
@@ -316,7 +345,7 @@
             <a:fld id="{87DE6118-2437-4B30-8E3C-4D2BE6020583}" type="datetimeFigureOut">
               <a:rPr lang="en-US" dirty="0"/>
               <a:pPr/>
-              <a:t>9/23/19</a:t>
+              <a:t>9/23/2019</a:t>
             </a:fld>
             <a:endParaRPr lang="en-US" dirty="0"/>
           </a:p>
@@ -642,7 +671,7 @@
           <a:p>
             <a:fld id="{87DE6118-2437-4B30-8E3C-4D2BE6020583}" type="datetimeFigureOut">
               <a:rPr lang="en-US" dirty="0"/>
-              <a:t>9/23/19</a:t>
+              <a:t>9/23/2019</a:t>
             </a:fld>
             <a:endParaRPr lang="en-US" dirty="0"/>
           </a:p>
@@ -817,7 +846,7 @@
           <a:p>
             <a:fld id="{87DE6118-2437-4B30-8E3C-4D2BE6020583}" type="datetimeFigureOut">
               <a:rPr lang="en-US" dirty="0"/>
-              <a:t>9/23/19</a:t>
+              <a:t>9/23/2019</a:t>
             </a:fld>
             <a:endParaRPr lang="en-US" dirty="0"/>
           </a:p>
@@ -982,7 +1011,7 @@
           <a:p>
             <a:fld id="{87DE6118-2437-4B30-8E3C-4D2BE6020583}" type="datetimeFigureOut">
               <a:rPr lang="en-US" dirty="0"/>
-              <a:t>9/23/19</a:t>
+              <a:t>9/23/2019</a:t>
             </a:fld>
             <a:endParaRPr lang="en-US" dirty="0"/>
           </a:p>
@@ -1255,7 +1284,7 @@
             <a:fld id="{87DE6118-2437-4B30-8E3C-4D2BE6020583}" type="datetimeFigureOut">
               <a:rPr lang="en-US" dirty="0"/>
               <a:pPr/>
-              <a:t>9/23/19</a:t>
+              <a:t>9/23/2019</a:t>
             </a:fld>
             <a:endParaRPr lang="en-US" dirty="0"/>
           </a:p>
@@ -1645,7 +1674,7 @@
           <a:p>
             <a:fld id="{87DE6118-2437-4B30-8E3C-4D2BE6020583}" type="datetimeFigureOut">
               <a:rPr lang="en-US" dirty="0"/>
-              <a:t>9/23/19</a:t>
+              <a:t>9/23/2019</a:t>
             </a:fld>
             <a:endParaRPr lang="en-US" dirty="0"/>
           </a:p>
@@ -2117,7 +2146,7 @@
           <a:p>
             <a:fld id="{87DE6118-2437-4B30-8E3C-4D2BE6020583}" type="datetimeFigureOut">
               <a:rPr lang="en-US" dirty="0"/>
-              <a:t>9/23/19</a:t>
+              <a:t>9/23/2019</a:t>
             </a:fld>
             <a:endParaRPr lang="en-US" dirty="0"/>
           </a:p>
@@ -2230,7 +2259,7 @@
           <a:p>
             <a:fld id="{87DE6118-2437-4B30-8E3C-4D2BE6020583}" type="datetimeFigureOut">
               <a:rPr lang="en-US" dirty="0"/>
-              <a:t>9/23/19</a:t>
+              <a:t>9/23/2019</a:t>
             </a:fld>
             <a:endParaRPr lang="en-US" dirty="0"/>
           </a:p>
@@ -2320,7 +2349,7 @@
           <a:p>
             <a:fld id="{87DE6118-2437-4B30-8E3C-4D2BE6020583}" type="datetimeFigureOut">
               <a:rPr lang="en-US" dirty="0"/>
-              <a:t>9/23/19</a:t>
+              <a:t>9/23/2019</a:t>
             </a:fld>
             <a:endParaRPr lang="en-US" dirty="0"/>
           </a:p>
@@ -2662,7 +2691,7 @@
             <a:fld id="{87DE6118-2437-4B30-8E3C-4D2BE6020583}" type="datetimeFigureOut">
               <a:rPr lang="en-US" dirty="0"/>
               <a:pPr/>
-              <a:t>9/23/19</a:t>
+              <a:t>9/23/2019</a:t>
             </a:fld>
             <a:endParaRPr lang="en-US" dirty="0"/>
           </a:p>
@@ -3047,7 +3076,7 @@
             <a:fld id="{87DE6118-2437-4B30-8E3C-4D2BE6020583}" type="datetimeFigureOut">
               <a:rPr lang="en-US" dirty="0"/>
               <a:pPr/>
-              <a:t>9/23/19</a:t>
+              <a:t>9/23/2019</a:t>
             </a:fld>
             <a:endParaRPr lang="en-US" dirty="0"/>
           </a:p>
@@ -3322,7 +3351,7 @@
             <a:fld id="{87DE6118-2437-4B30-8E3C-4D2BE6020583}" type="datetimeFigureOut">
               <a:rPr lang="en-US" dirty="0"/>
               <a:pPr/>
-              <a:t>9/23/19</a:t>
+              <a:t>9/23/2019</a:t>
             </a:fld>
             <a:endParaRPr lang="en-US" dirty="0"/>
           </a:p>
@@ -3869,7 +3898,15 @@
           <a:p>
             <a:r>
               <a:rPr lang="en-US" dirty="0"/>
-              <a:t>Jacob Moore, Zack Sprague, Craig James, Chris Wells, Joshua McGuire, Reed </a:t>
+              <a:t>Jacob Moore, Zack Sprague, </a:t>
+            </a:r>
+            <a:r>
+              <a:rPr lang="en-US"/>
+              <a:t>James Craig, </a:t>
+            </a:r>
+            <a:r>
+              <a:rPr lang="en-US" dirty="0"/>
+              <a:t>Chris Wells, Joshua McGuire, Reed </a:t>
             </a:r>
             <a:r>
               <a:rPr lang="en-US" dirty="0" err="1"/>

--- a/PowerPoint Slides/csc439_sprint2_final.pptx
+++ b/PowerPoint Slides/csc439_sprint2_final.pptx
@@ -15,8 +15,9 @@
     <p:sldId id="273" r:id="rId9"/>
     <p:sldId id="262" r:id="rId10"/>
     <p:sldId id="268" r:id="rId11"/>
-    <p:sldId id="275" r:id="rId12"/>
-    <p:sldId id="274" r:id="rId13"/>
+    <p:sldId id="276" r:id="rId12"/>
+    <p:sldId id="275" r:id="rId13"/>
+    <p:sldId id="274" r:id="rId14"/>
   </p:sldIdLst>
   <p:sldSz cx="12192000" cy="6858000"/>
   <p:notesSz cx="6858000" cy="9144000"/>
@@ -130,6 +131,7 @@
             <p14:sldId id="273"/>
             <p14:sldId id="262"/>
             <p14:sldId id="268"/>
+            <p14:sldId id="276"/>
             <p14:sldId id="275"/>
             <p14:sldId id="274"/>
           </p14:sldIdLst>
@@ -345,7 +347,7 @@
             <a:fld id="{87DE6118-2437-4B30-8E3C-4D2BE6020583}" type="datetimeFigureOut">
               <a:rPr lang="en-US" dirty="0"/>
               <a:pPr/>
-              <a:t>9/23/2019</a:t>
+              <a:t>9/23/19</a:t>
             </a:fld>
             <a:endParaRPr lang="en-US" dirty="0"/>
           </a:p>
@@ -671,7 +673,7 @@
           <a:p>
             <a:fld id="{87DE6118-2437-4B30-8E3C-4D2BE6020583}" type="datetimeFigureOut">
               <a:rPr lang="en-US" dirty="0"/>
-              <a:t>9/23/2019</a:t>
+              <a:t>9/23/19</a:t>
             </a:fld>
             <a:endParaRPr lang="en-US" dirty="0"/>
           </a:p>
@@ -846,7 +848,7 @@
           <a:p>
             <a:fld id="{87DE6118-2437-4B30-8E3C-4D2BE6020583}" type="datetimeFigureOut">
               <a:rPr lang="en-US" dirty="0"/>
-              <a:t>9/23/2019</a:t>
+              <a:t>9/23/19</a:t>
             </a:fld>
             <a:endParaRPr lang="en-US" dirty="0"/>
           </a:p>
@@ -1011,7 +1013,7 @@
           <a:p>
             <a:fld id="{87DE6118-2437-4B30-8E3C-4D2BE6020583}" type="datetimeFigureOut">
               <a:rPr lang="en-US" dirty="0"/>
-              <a:t>9/23/2019</a:t>
+              <a:t>9/23/19</a:t>
             </a:fld>
             <a:endParaRPr lang="en-US" dirty="0"/>
           </a:p>
@@ -1284,7 +1286,7 @@
             <a:fld id="{87DE6118-2437-4B30-8E3C-4D2BE6020583}" type="datetimeFigureOut">
               <a:rPr lang="en-US" dirty="0"/>
               <a:pPr/>
-              <a:t>9/23/2019</a:t>
+              <a:t>9/23/19</a:t>
             </a:fld>
             <a:endParaRPr lang="en-US" dirty="0"/>
           </a:p>
@@ -1674,7 +1676,7 @@
           <a:p>
             <a:fld id="{87DE6118-2437-4B30-8E3C-4D2BE6020583}" type="datetimeFigureOut">
               <a:rPr lang="en-US" dirty="0"/>
-              <a:t>9/23/2019</a:t>
+              <a:t>9/23/19</a:t>
             </a:fld>
             <a:endParaRPr lang="en-US" dirty="0"/>
           </a:p>
@@ -2146,7 +2148,7 @@
           <a:p>
             <a:fld id="{87DE6118-2437-4B30-8E3C-4D2BE6020583}" type="datetimeFigureOut">
               <a:rPr lang="en-US" dirty="0"/>
-              <a:t>9/23/2019</a:t>
+              <a:t>9/23/19</a:t>
             </a:fld>
             <a:endParaRPr lang="en-US" dirty="0"/>
           </a:p>
@@ -2259,7 +2261,7 @@
           <a:p>
             <a:fld id="{87DE6118-2437-4B30-8E3C-4D2BE6020583}" type="datetimeFigureOut">
               <a:rPr lang="en-US" dirty="0"/>
-              <a:t>9/23/2019</a:t>
+              <a:t>9/23/19</a:t>
             </a:fld>
             <a:endParaRPr lang="en-US" dirty="0"/>
           </a:p>
@@ -2349,7 +2351,7 @@
           <a:p>
             <a:fld id="{87DE6118-2437-4B30-8E3C-4D2BE6020583}" type="datetimeFigureOut">
               <a:rPr lang="en-US" dirty="0"/>
-              <a:t>9/23/2019</a:t>
+              <a:t>9/23/19</a:t>
             </a:fld>
             <a:endParaRPr lang="en-US" dirty="0"/>
           </a:p>
@@ -2691,7 +2693,7 @@
             <a:fld id="{87DE6118-2437-4B30-8E3C-4D2BE6020583}" type="datetimeFigureOut">
               <a:rPr lang="en-US" dirty="0"/>
               <a:pPr/>
-              <a:t>9/23/2019</a:t>
+              <a:t>9/23/19</a:t>
             </a:fld>
             <a:endParaRPr lang="en-US" dirty="0"/>
           </a:p>
@@ -3076,7 +3078,7 @@
             <a:fld id="{87DE6118-2437-4B30-8E3C-4D2BE6020583}" type="datetimeFigureOut">
               <a:rPr lang="en-US" dirty="0"/>
               <a:pPr/>
-              <a:t>9/23/2019</a:t>
+              <a:t>9/23/19</a:t>
             </a:fld>
             <a:endParaRPr lang="en-US" dirty="0"/>
           </a:p>
@@ -3351,7 +3353,7 @@
             <a:fld id="{87DE6118-2437-4B30-8E3C-4D2BE6020583}" type="datetimeFigureOut">
               <a:rPr lang="en-US" dirty="0"/>
               <a:pPr/>
-              <a:t>9/23/2019</a:t>
+              <a:t>9/23/19</a:t>
             </a:fld>
             <a:endParaRPr lang="en-US" dirty="0"/>
           </a:p>
@@ -4122,6 +4124,123 @@
           <p:cNvPr id="2" name="Title 1">
             <a:extLst>
               <a:ext uri="{FF2B5EF4-FFF2-40B4-BE49-F238E27FC236}">
+                <a16:creationId xmlns:a16="http://schemas.microsoft.com/office/drawing/2014/main" id="{2317C531-4A5A-F347-8FC4-D5C90009C149}"/>
+              </a:ext>
+            </a:extLst>
+          </p:cNvPr>
+          <p:cNvSpPr>
+            <a:spLocks noGrp="1"/>
+          </p:cNvSpPr>
+          <p:nvPr>
+            <p:ph type="title"/>
+          </p:nvPr>
+        </p:nvSpPr>
+        <p:spPr/>
+        <p:txBody>
+          <a:bodyPr/>
+          <a:lstStyle/>
+          <a:p>
+            <a:r>
+              <a:rPr lang="en-US" dirty="0"/>
+              <a:t>Build Manager/Developer: Chris Wells</a:t>
+            </a:r>
+          </a:p>
+        </p:txBody>
+      </p:sp>
+      <p:pic>
+        <p:nvPicPr>
+          <p:cNvPr id="5" name="Content Placeholder 4">
+            <a:extLst>
+              <a:ext uri="{FF2B5EF4-FFF2-40B4-BE49-F238E27FC236}">
+                <a16:creationId xmlns:a16="http://schemas.microsoft.com/office/drawing/2014/main" id="{0DB91FFF-7255-0644-9DDA-DA23906EAFC6}"/>
+              </a:ext>
+            </a:extLst>
+          </p:cNvPr>
+          <p:cNvPicPr>
+            <a:picLocks noGrp="1" noChangeAspect="1"/>
+          </p:cNvPicPr>
+          <p:nvPr>
+            <p:ph idx="1"/>
+          </p:nvPr>
+        </p:nvPicPr>
+        <p:blipFill>
+          <a:blip r:embed="rId2"/>
+          <a:stretch>
+            <a:fillRect/>
+          </a:stretch>
+        </p:blipFill>
+        <p:spPr>
+          <a:xfrm>
+            <a:off x="1371600" y="3621087"/>
+            <a:ext cx="8889303" cy="3022601"/>
+          </a:xfrm>
+        </p:spPr>
+      </p:pic>
+      <p:pic>
+        <p:nvPicPr>
+          <p:cNvPr id="7" name="Picture 6">
+            <a:extLst>
+              <a:ext uri="{FF2B5EF4-FFF2-40B4-BE49-F238E27FC236}">
+                <a16:creationId xmlns:a16="http://schemas.microsoft.com/office/drawing/2014/main" id="{F0588223-EE15-0945-8490-60DA3DF6A64A}"/>
+              </a:ext>
+            </a:extLst>
+          </p:cNvPr>
+          <p:cNvPicPr>
+            <a:picLocks noChangeAspect="1"/>
+          </p:cNvPicPr>
+          <p:nvPr/>
+        </p:nvPicPr>
+        <p:blipFill>
+          <a:blip r:embed="rId3"/>
+          <a:stretch>
+            <a:fillRect/>
+          </a:stretch>
+        </p:blipFill>
+        <p:spPr>
+          <a:xfrm>
+            <a:off x="1371600" y="1543050"/>
+            <a:ext cx="5816600" cy="1943100"/>
+          </a:xfrm>
+          <a:prstGeom prst="rect">
+            <a:avLst/>
+          </a:prstGeom>
+        </p:spPr>
+      </p:pic>
+    </p:spTree>
+    <p:extLst>
+      <p:ext uri="{BB962C8B-B14F-4D97-AF65-F5344CB8AC3E}">
+        <p14:creationId xmlns:p14="http://schemas.microsoft.com/office/powerpoint/2010/main" val="3962509423"/>
+      </p:ext>
+    </p:extLst>
+  </p:cSld>
+  <p:clrMapOvr>
+    <a:masterClrMapping/>
+  </p:clrMapOvr>
+</p:sld>
+</file>
+
+<file path=ppt/slides/slide12.xml><?xml version="1.0" encoding="utf-8"?>
+<p:sld xmlns:a="http://schemas.openxmlformats.org/drawingml/2006/main" xmlns:r="http://schemas.openxmlformats.org/officeDocument/2006/relationships" xmlns:p="http://schemas.openxmlformats.org/presentationml/2006/main">
+  <p:cSld>
+    <p:spTree>
+      <p:nvGrpSpPr>
+        <p:cNvPr id="1" name=""/>
+        <p:cNvGrpSpPr/>
+        <p:nvPr/>
+      </p:nvGrpSpPr>
+      <p:grpSpPr>
+        <a:xfrm>
+          <a:off x="0" y="0"/>
+          <a:ext cx="0" cy="0"/>
+          <a:chOff x="0" y="0"/>
+          <a:chExt cx="0" cy="0"/>
+        </a:xfrm>
+      </p:grpSpPr>
+      <p:sp>
+        <p:nvSpPr>
+          <p:cNvPr id="2" name="Title 1">
+            <a:extLst>
+              <a:ext uri="{FF2B5EF4-FFF2-40B4-BE49-F238E27FC236}">
                 <a16:creationId xmlns:a16="http://schemas.microsoft.com/office/drawing/2014/main" id="{B4DB9B26-1FC6-4919-8EBF-49D9E62E29EB}"/>
               </a:ext>
             </a:extLst>
@@ -4213,7 +4332,7 @@
 </p:sld>
 </file>
 
-<file path=ppt/slides/slide12.xml><?xml version="1.0" encoding="utf-8"?>
+<file path=ppt/slides/slide13.xml><?xml version="1.0" encoding="utf-8"?>
 <p:sld xmlns:a="http://schemas.openxmlformats.org/drawingml/2006/main" xmlns:r="http://schemas.openxmlformats.org/officeDocument/2006/relationships" xmlns:p="http://schemas.openxmlformats.org/presentationml/2006/main">
   <p:cSld>
     <p:spTree>
